--- a/设计模式(二) .pptx
+++ b/设计模式(二) .pptx
@@ -275,7 +275,7 @@
           <a:p>
             <a:fld id="{18499C2A-F7B6-49DD-A0C1-45A2D72FFDCF}" type="datetimeFigureOut">
               <a:rPr lang="zh-CN" altLang="en-US" smtClean="0"/>
-              <a:t>2019/9/28</a:t>
+              <a:t>2019/12/1</a:t>
             </a:fld>
             <a:endParaRPr lang="zh-CN" altLang="en-US"/>
           </a:p>
@@ -473,7 +473,7 @@
           <a:p>
             <a:fld id="{18499C2A-F7B6-49DD-A0C1-45A2D72FFDCF}" type="datetimeFigureOut">
               <a:rPr lang="zh-CN" altLang="en-US" smtClean="0"/>
-              <a:t>2019/9/28</a:t>
+              <a:t>2019/12/1</a:t>
             </a:fld>
             <a:endParaRPr lang="zh-CN" altLang="en-US"/>
           </a:p>
@@ -681,7 +681,7 @@
           <a:p>
             <a:fld id="{18499C2A-F7B6-49DD-A0C1-45A2D72FFDCF}" type="datetimeFigureOut">
               <a:rPr lang="zh-CN" altLang="en-US" smtClean="0"/>
-              <a:t>2019/9/28</a:t>
+              <a:t>2019/12/1</a:t>
             </a:fld>
             <a:endParaRPr lang="zh-CN" altLang="en-US"/>
           </a:p>
@@ -794,7 +794,7 @@
           <a:p>
             <a:fld id="{E13947ED-5EF2-47D5-99F5-5EE8E4B8CE26}" type="datetimeFigureOut">
               <a:rPr lang="zh-CN" altLang="en-US" smtClean="0"/>
-              <a:t>2019/9/28</a:t>
+              <a:t>2019/12/1</a:t>
             </a:fld>
             <a:endParaRPr lang="zh-CN" altLang="en-US"/>
           </a:p>
@@ -1028,7 +1028,7 @@
           <a:p>
             <a:fld id="{18499C2A-F7B6-49DD-A0C1-45A2D72FFDCF}" type="datetimeFigureOut">
               <a:rPr lang="zh-CN" altLang="en-US" smtClean="0"/>
-              <a:t>2019/9/28</a:t>
+              <a:t>2019/12/1</a:t>
             </a:fld>
             <a:endParaRPr lang="zh-CN" altLang="en-US"/>
           </a:p>
@@ -1303,7 +1303,7 @@
           <a:p>
             <a:fld id="{18499C2A-F7B6-49DD-A0C1-45A2D72FFDCF}" type="datetimeFigureOut">
               <a:rPr lang="zh-CN" altLang="en-US" smtClean="0"/>
-              <a:t>2019/9/28</a:t>
+              <a:t>2019/12/1</a:t>
             </a:fld>
             <a:endParaRPr lang="zh-CN" altLang="en-US"/>
           </a:p>
@@ -1568,7 +1568,7 @@
           <a:p>
             <a:fld id="{18499C2A-F7B6-49DD-A0C1-45A2D72FFDCF}" type="datetimeFigureOut">
               <a:rPr lang="zh-CN" altLang="en-US" smtClean="0"/>
-              <a:t>2019/9/28</a:t>
+              <a:t>2019/12/1</a:t>
             </a:fld>
             <a:endParaRPr lang="zh-CN" altLang="en-US"/>
           </a:p>
@@ -1980,7 +1980,7 @@
           <a:p>
             <a:fld id="{18499C2A-F7B6-49DD-A0C1-45A2D72FFDCF}" type="datetimeFigureOut">
               <a:rPr lang="zh-CN" altLang="en-US" smtClean="0"/>
-              <a:t>2019/9/28</a:t>
+              <a:t>2019/12/1</a:t>
             </a:fld>
             <a:endParaRPr lang="zh-CN" altLang="en-US"/>
           </a:p>
@@ -2121,7 +2121,7 @@
           <a:p>
             <a:fld id="{18499C2A-F7B6-49DD-A0C1-45A2D72FFDCF}" type="datetimeFigureOut">
               <a:rPr lang="zh-CN" altLang="en-US" smtClean="0"/>
-              <a:t>2019/9/28</a:t>
+              <a:t>2019/12/1</a:t>
             </a:fld>
             <a:endParaRPr lang="zh-CN" altLang="en-US"/>
           </a:p>
@@ -2234,7 +2234,7 @@
           <a:p>
             <a:fld id="{18499C2A-F7B6-49DD-A0C1-45A2D72FFDCF}" type="datetimeFigureOut">
               <a:rPr lang="zh-CN" altLang="en-US" smtClean="0"/>
-              <a:t>2019/9/28</a:t>
+              <a:t>2019/12/1</a:t>
             </a:fld>
             <a:endParaRPr lang="zh-CN" altLang="en-US"/>
           </a:p>
@@ -2545,7 +2545,7 @@
           <a:p>
             <a:fld id="{18499C2A-F7B6-49DD-A0C1-45A2D72FFDCF}" type="datetimeFigureOut">
               <a:rPr lang="zh-CN" altLang="en-US" smtClean="0"/>
-              <a:t>2019/9/28</a:t>
+              <a:t>2019/12/1</a:t>
             </a:fld>
             <a:endParaRPr lang="zh-CN" altLang="en-US"/>
           </a:p>
@@ -2833,7 +2833,7 @@
           <a:p>
             <a:fld id="{18499C2A-F7B6-49DD-A0C1-45A2D72FFDCF}" type="datetimeFigureOut">
               <a:rPr lang="zh-CN" altLang="en-US" smtClean="0"/>
-              <a:t>2019/9/28</a:t>
+              <a:t>2019/12/1</a:t>
             </a:fld>
             <a:endParaRPr lang="zh-CN" altLang="en-US"/>
           </a:p>
@@ -3074,7 +3074,7 @@
           <a:p>
             <a:fld id="{18499C2A-F7B6-49DD-A0C1-45A2D72FFDCF}" type="datetimeFigureOut">
               <a:rPr lang="zh-CN" altLang="en-US" smtClean="0"/>
-              <a:t>2019/9/28</a:t>
+              <a:t>2019/12/1</a:t>
             </a:fld>
             <a:endParaRPr lang="zh-CN" altLang="en-US"/>
           </a:p>
@@ -3584,14 +3584,14 @@
           <a:lstStyle/>
           <a:p>
             <a:r>
-              <a:rPr lang="en-US" altLang="zh-CN" sz="2800">
+              <a:rPr lang="en-US" altLang="zh-CN" sz="2800" dirty="0">
                 <a:latin typeface="SimSun" panose="02010600030101010101" pitchFamily="2" charset="-122"/>
                 <a:ea typeface="SimSun" panose="02010600030101010101" pitchFamily="2" charset="-122"/>
               </a:rPr>
               <a:t>2</a:t>
             </a:r>
             <a:r>
-              <a:rPr lang="zh-CN" altLang="en-US" sz="2800">
+              <a:rPr lang="zh-CN" altLang="en-US" sz="2800" dirty="0">
                 <a:latin typeface="SimSun" panose="02010600030101010101" pitchFamily="2" charset="-122"/>
                 <a:ea typeface="SimSun" panose="02010600030101010101" pitchFamily="2" charset="-122"/>
               </a:rPr>
@@ -3605,20 +3605,20 @@
               <a:t>命令</a:t>
             </a:r>
             <a:r>
-              <a:rPr lang="zh-CN" altLang="en-US" sz="2800">
+              <a:rPr lang="zh-CN" altLang="en-US" sz="2800" dirty="0">
                 <a:latin typeface="SimSun" panose="02010600030101010101" pitchFamily="2" charset="-122"/>
                 <a:ea typeface="SimSun" panose="02010600030101010101" pitchFamily="2" charset="-122"/>
               </a:rPr>
               <a:t>模式</a:t>
             </a:r>
             <a:r>
-              <a:rPr lang="en-US" altLang="zh-CN" sz="2800">
+              <a:rPr lang="en-US" altLang="zh-CN" sz="2800" dirty="0">
                 <a:latin typeface="SimSun" panose="02010600030101010101" pitchFamily="2" charset="-122"/>
                 <a:ea typeface="SimSun" panose="02010600030101010101" pitchFamily="2" charset="-122"/>
               </a:rPr>
               <a:t>(Command Pattern)</a:t>
             </a:r>
-            <a:endParaRPr lang="zh-CN" altLang="en-US" sz="2800">
+            <a:endParaRPr lang="zh-CN" altLang="en-US" sz="2800" dirty="0">
               <a:latin typeface="SimSun" panose="02010600030101010101" pitchFamily="2" charset="-122"/>
               <a:ea typeface="SimSun" panose="02010600030101010101" pitchFamily="2" charset="-122"/>
             </a:endParaRPr>
@@ -3654,14 +3654,14 @@
           <a:lstStyle/>
           <a:p>
             <a:r>
-              <a:rPr lang="en-US" altLang="zh-CN" sz="2800">
+              <a:rPr lang="en-US" altLang="zh-CN" sz="2800" dirty="0">
                 <a:latin typeface="SimSun" panose="02010600030101010101" pitchFamily="2" charset="-122"/>
                 <a:ea typeface="SimSun" panose="02010600030101010101" pitchFamily="2" charset="-122"/>
               </a:rPr>
               <a:t>7</a:t>
             </a:r>
             <a:r>
-              <a:rPr lang="zh-CN" altLang="en-US" sz="2800">
+              <a:rPr lang="zh-CN" altLang="en-US" sz="2800" dirty="0">
                 <a:latin typeface="SimSun" panose="02010600030101010101" pitchFamily="2" charset="-122"/>
                 <a:ea typeface="SimSun" panose="02010600030101010101" pitchFamily="2" charset="-122"/>
               </a:rPr>
@@ -3675,13 +3675,13 @@
               <a:t>迭代器模式</a:t>
             </a:r>
             <a:r>
-              <a:rPr lang="en-US" altLang="ja-JP" sz="2800">
+              <a:rPr lang="en-US" altLang="ja-JP" sz="2800" dirty="0">
                 <a:latin typeface="SimSun" panose="02010600030101010101" pitchFamily="2" charset="-122"/>
                 <a:ea typeface="SimSun" panose="02010600030101010101" pitchFamily="2" charset="-122"/>
               </a:rPr>
               <a:t>(Iterator Pattern)</a:t>
             </a:r>
-            <a:endParaRPr lang="zh-CN" altLang="en-US" sz="2800">
+            <a:endParaRPr lang="zh-CN" altLang="en-US" sz="2800" dirty="0">
               <a:latin typeface="SimSun" panose="02010600030101010101" pitchFamily="2" charset="-122"/>
               <a:ea typeface="SimSun" panose="02010600030101010101" pitchFamily="2" charset="-122"/>
             </a:endParaRPr>
@@ -3762,14 +3762,14 @@
           <a:lstStyle/>
           <a:p>
             <a:r>
-              <a:rPr lang="en-US" altLang="zh-CN" sz="2800">
+              <a:rPr lang="en-US" altLang="zh-CN" sz="2800" dirty="0">
                 <a:latin typeface="SimSun" panose="02010600030101010101" pitchFamily="2" charset="-122"/>
                 <a:ea typeface="SimSun" panose="02010600030101010101" pitchFamily="2" charset="-122"/>
               </a:rPr>
               <a:t>6</a:t>
             </a:r>
             <a:r>
-              <a:rPr lang="zh-CN" altLang="en-US" sz="2800">
+              <a:rPr lang="zh-CN" altLang="en-US" sz="2800" dirty="0">
                 <a:latin typeface="SimSun" panose="02010600030101010101" pitchFamily="2" charset="-122"/>
                 <a:ea typeface="SimSun" panose="02010600030101010101" pitchFamily="2" charset="-122"/>
               </a:rPr>
@@ -3783,7 +3783,7 @@
               <a:t>适配器</a:t>
             </a:r>
             <a:r>
-              <a:rPr lang="en-US" altLang="zh-CN" sz="2800">
+              <a:rPr lang="en-US" altLang="zh-CN" sz="2800" dirty="0">
                 <a:latin typeface="SimSun" panose="02010600030101010101" pitchFamily="2" charset="-122"/>
                 <a:ea typeface="SimSun" panose="02010600030101010101" pitchFamily="2" charset="-122"/>
               </a:rPr>
@@ -3797,7 +3797,7 @@
               <a:t>外观</a:t>
             </a:r>
             <a:r>
-              <a:rPr lang="en-US" altLang="zh-CN" sz="2800">
+              <a:rPr lang="en-US" altLang="zh-CN" sz="2800" dirty="0">
                 <a:latin typeface="SimSun" panose="02010600030101010101" pitchFamily="2" charset="-122"/>
                 <a:ea typeface="SimSun" panose="02010600030101010101" pitchFamily="2" charset="-122"/>
               </a:rPr>
@@ -3810,7 +3810,7 @@
               </a:rPr>
               <a:t>代理</a:t>
             </a:r>
-            <a:endParaRPr lang="zh-CN" altLang="en-US" sz="2800">
+            <a:endParaRPr lang="zh-CN" altLang="en-US" sz="2800" dirty="0">
               <a:latin typeface="SimSun" panose="02010600030101010101" pitchFamily="2" charset="-122"/>
               <a:ea typeface="SimSun" panose="02010600030101010101" pitchFamily="2" charset="-122"/>
             </a:endParaRPr>
@@ -3846,14 +3846,14 @@
           <a:lstStyle/>
           <a:p>
             <a:r>
-              <a:rPr lang="en-US" altLang="zh-CN" sz="2800">
+              <a:rPr lang="en-US" altLang="zh-CN" sz="2800" dirty="0">
                 <a:latin typeface="SimSun" panose="02010600030101010101" pitchFamily="2" charset="-122"/>
                 <a:ea typeface="SimSun" panose="02010600030101010101" pitchFamily="2" charset="-122"/>
               </a:rPr>
               <a:t>4</a:t>
             </a:r>
             <a:r>
-              <a:rPr lang="zh-CN" altLang="en-US" sz="2800">
+              <a:rPr lang="zh-CN" altLang="en-US" sz="2800" dirty="0">
                 <a:latin typeface="SimSun" panose="02010600030101010101" pitchFamily="2" charset="-122"/>
                 <a:ea typeface="SimSun" panose="02010600030101010101" pitchFamily="2" charset="-122"/>
               </a:rPr>
@@ -3867,20 +3867,20 @@
               <a:t>外观</a:t>
             </a:r>
             <a:r>
-              <a:rPr lang="zh-CN" altLang="en-US" sz="2800">
+              <a:rPr lang="zh-CN" altLang="en-US" sz="2800" dirty="0">
                 <a:latin typeface="SimSun" panose="02010600030101010101" pitchFamily="2" charset="-122"/>
                 <a:ea typeface="SimSun" panose="02010600030101010101" pitchFamily="2" charset="-122"/>
               </a:rPr>
               <a:t>模式</a:t>
             </a:r>
             <a:r>
-              <a:rPr lang="en-US" altLang="zh-CN" sz="2800">
+              <a:rPr lang="en-US" altLang="zh-CN" sz="2800" dirty="0">
                 <a:latin typeface="SimSun" panose="02010600030101010101" pitchFamily="2" charset="-122"/>
                 <a:ea typeface="SimSun" panose="02010600030101010101" pitchFamily="2" charset="-122"/>
               </a:rPr>
               <a:t>(Facade Pattern)</a:t>
             </a:r>
-            <a:endParaRPr lang="zh-CN" altLang="en-US" sz="2800">
+            <a:endParaRPr lang="zh-CN" altLang="en-US" sz="2800" dirty="0">
               <a:latin typeface="SimSun" panose="02010600030101010101" pitchFamily="2" charset="-122"/>
               <a:ea typeface="SimSun" panose="02010600030101010101" pitchFamily="2" charset="-122"/>
             </a:endParaRPr>
@@ -3916,14 +3916,14 @@
           <a:lstStyle/>
           <a:p>
             <a:r>
-              <a:rPr lang="en-US" altLang="zh-CN" sz="2800">
+              <a:rPr lang="en-US" altLang="zh-CN" sz="2800" dirty="0">
                 <a:latin typeface="SimSun" panose="02010600030101010101" pitchFamily="2" charset="-122"/>
                 <a:ea typeface="SimSun" panose="02010600030101010101" pitchFamily="2" charset="-122"/>
               </a:rPr>
               <a:t>5</a:t>
             </a:r>
             <a:r>
-              <a:rPr lang="zh-CN" altLang="en-US" sz="2800">
+              <a:rPr lang="zh-CN" altLang="en-US" sz="2800" dirty="0">
                 <a:latin typeface="SimSun" panose="02010600030101010101" pitchFamily="2" charset="-122"/>
                 <a:ea typeface="SimSun" panose="02010600030101010101" pitchFamily="2" charset="-122"/>
               </a:rPr>
@@ -3937,13 +3937,13 @@
               <a:t>代理模式</a:t>
             </a:r>
             <a:r>
-              <a:rPr lang="en-US" altLang="ja-JP" sz="2800">
+              <a:rPr lang="en-US" altLang="ja-JP" sz="2800" dirty="0">
                 <a:latin typeface="SimSun" panose="02010600030101010101" pitchFamily="2" charset="-122"/>
                 <a:ea typeface="SimSun" panose="02010600030101010101" pitchFamily="2" charset="-122"/>
               </a:rPr>
               <a:t>(Proxy Pattern)</a:t>
             </a:r>
-            <a:endParaRPr lang="en-US" sz="2800">
+            <a:endParaRPr lang="en-US" sz="2800" dirty="0">
               <a:latin typeface="SimSun" panose="02010600030101010101" pitchFamily="2" charset="-122"/>
               <a:ea typeface="SimSun" panose="02010600030101010101" pitchFamily="2" charset="-122"/>
             </a:endParaRPr>
@@ -3979,14 +3979,14 @@
           <a:lstStyle/>
           <a:p>
             <a:r>
-              <a:rPr lang="en-US" altLang="zh-CN" sz="2800">
+              <a:rPr lang="en-US" altLang="zh-CN" sz="2800" dirty="0">
                 <a:latin typeface="SimSun" panose="02010600030101010101" pitchFamily="2" charset="-122"/>
                 <a:ea typeface="SimSun" panose="02010600030101010101" pitchFamily="2" charset="-122"/>
               </a:rPr>
               <a:t>3</a:t>
             </a:r>
             <a:r>
-              <a:rPr lang="zh-CN" altLang="en-US" sz="2800">
+              <a:rPr lang="zh-CN" altLang="en-US" sz="2800" dirty="0">
                 <a:latin typeface="SimSun" panose="02010600030101010101" pitchFamily="2" charset="-122"/>
                 <a:ea typeface="SimSun" panose="02010600030101010101" pitchFamily="2" charset="-122"/>
               </a:rPr>
@@ -4000,13 +4000,13 @@
               <a:t>适配器模式</a:t>
             </a:r>
             <a:r>
-              <a:rPr lang="en-US" altLang="ja-JP" sz="2800">
+              <a:rPr lang="en-US" altLang="ja-JP" sz="2800" dirty="0">
                 <a:latin typeface="SimSun" panose="02010600030101010101" pitchFamily="2" charset="-122"/>
                 <a:ea typeface="SimSun" panose="02010600030101010101" pitchFamily="2" charset="-122"/>
               </a:rPr>
               <a:t>(Adapter Pattern)</a:t>
             </a:r>
-            <a:endParaRPr lang="en-US" sz="2800">
+            <a:endParaRPr lang="en-US" sz="2800" dirty="0">
               <a:latin typeface="SimSun" panose="02010600030101010101" pitchFamily="2" charset="-122"/>
               <a:ea typeface="SimSun" panose="02010600030101010101" pitchFamily="2" charset="-122"/>
             </a:endParaRPr>
@@ -4042,14 +4042,14 @@
           <a:lstStyle/>
           <a:p>
             <a:r>
-              <a:rPr lang="en-US" altLang="zh-CN" sz="2800">
+              <a:rPr lang="en-US" altLang="zh-CN" sz="2800" dirty="0">
                 <a:latin typeface="SimSun" panose="02010600030101010101" pitchFamily="2" charset="-122"/>
                 <a:ea typeface="SimSun" panose="02010600030101010101" pitchFamily="2" charset="-122"/>
               </a:rPr>
               <a:t>8</a:t>
             </a:r>
             <a:r>
-              <a:rPr lang="zh-CN" altLang="en-US" sz="2800">
+              <a:rPr lang="zh-CN" altLang="en-US" sz="2800" dirty="0">
                 <a:latin typeface="SimSun" panose="02010600030101010101" pitchFamily="2" charset="-122"/>
                 <a:ea typeface="SimSun" panose="02010600030101010101" pitchFamily="2" charset="-122"/>
               </a:rPr>
@@ -4063,13 +4063,13 @@
               <a:t>组合模式</a:t>
             </a:r>
             <a:r>
-              <a:rPr lang="en-US" altLang="ja-JP" sz="2800">
+              <a:rPr lang="en-US" altLang="ja-JP" sz="2800" dirty="0">
                 <a:latin typeface="SimSun" panose="02010600030101010101" pitchFamily="2" charset="-122"/>
                 <a:ea typeface="SimSun" panose="02010600030101010101" pitchFamily="2" charset="-122"/>
               </a:rPr>
               <a:t>(Composite Pattern)</a:t>
             </a:r>
-            <a:endParaRPr lang="en-US" sz="2800">
+            <a:endParaRPr lang="en-US" sz="2800" dirty="0">
               <a:latin typeface="SimSun" panose="02010600030101010101" pitchFamily="2" charset="-122"/>
               <a:ea typeface="SimSun" panose="02010600030101010101" pitchFamily="2" charset="-122"/>
             </a:endParaRPr>
